--- a/story cards.pptx
+++ b/story cards.pptx
@@ -57,6 +57,7 @@
     <p:sldId id="303" r:id="rId52"/>
     <p:sldId id="304" r:id="rId53"/>
     <p:sldId id="305" r:id="rId54"/>
+    <p:sldId id="306" r:id="rId55"/>
   </p:sldIdLst>
   <p:sldSz cx="9906000" cy="6858000"/>
   <p:notesSz cx="7559675" cy="10691812"/>
@@ -5177,7 +5178,67 @@
                 <a:latin typeface="Calibri"/>
                 <a:ea typeface="Calibri"/>
               </a:rPr>
-              <a:t>Title Text</a:t>
+              <a:t>Ti</a:t>
+            </a:r>
+            <a:r>
+              <a:rPr b="0" lang="en-AU" sz="4400" spc="-1" strike="noStrike">
+                <a:solidFill>
+                  <a:srgbClr val="000000"/>
+                </a:solidFill>
+                <a:uFill>
+                  <a:solidFill>
+                    <a:srgbClr val="ffffff"/>
+                  </a:solidFill>
+                </a:uFill>
+                <a:latin typeface="Calibri"/>
+                <a:ea typeface="Calibri"/>
+              </a:rPr>
+              <a:t>tl</a:t>
+            </a:r>
+            <a:r>
+              <a:rPr b="0" lang="en-AU" sz="4400" spc="-1" strike="noStrike">
+                <a:solidFill>
+                  <a:srgbClr val="000000"/>
+                </a:solidFill>
+                <a:uFill>
+                  <a:solidFill>
+                    <a:srgbClr val="ffffff"/>
+                  </a:solidFill>
+                </a:uFill>
+                <a:latin typeface="Calibri"/>
+                <a:ea typeface="Calibri"/>
+              </a:rPr>
+              <a:t>e </a:t>
+            </a:r>
+            <a:r>
+              <a:rPr b="0" lang="en-AU" sz="4400" spc="-1" strike="noStrike">
+                <a:solidFill>
+                  <a:srgbClr val="000000"/>
+                </a:solidFill>
+                <a:uFill>
+                  <a:solidFill>
+                    <a:srgbClr val="ffffff"/>
+                  </a:solidFill>
+                </a:uFill>
+                <a:latin typeface="Calibri"/>
+                <a:ea typeface="Calibri"/>
+              </a:rPr>
+              <a:t>Te</a:t>
+            </a:r>
+            <a:r>
+              <a:rPr b="0" lang="en-AU" sz="4400" spc="-1" strike="noStrike">
+                <a:solidFill>
+                  <a:srgbClr val="000000"/>
+                </a:solidFill>
+                <a:uFill>
+                  <a:solidFill>
+                    <a:srgbClr val="ffffff"/>
+                  </a:solidFill>
+                </a:uFill>
+                <a:latin typeface="Calibri"/>
+                <a:ea typeface="Calibri"/>
+              </a:rPr>
+              <a:t>xt</a:t>
             </a:r>
             <a:endParaRPr b="0" lang="en-AU" sz="4400" spc="-1" strike="noStrike">
               <a:solidFill>
@@ -44754,6 +44815,797 @@
           <p:childTnLst>
             <p:seq>
               <p:cTn id="100" nodeType="mainSeq"/>
+              <p:prevCondLst>
+                <p:cond delay="0" evt="onPrev">
+                  <p:tgtEl>
+                    <p:sldTgt/>
+                  </p:tgtEl>
+                </p:cond>
+              </p:prevCondLst>
+              <p:nextCondLst>
+                <p:cond delay="0" evt="onNext">
+                  <p:tgtEl>
+                    <p:sldTgt/>
+                  </p:tgtEl>
+                </p:cond>
+              </p:nextCondLst>
+            </p:seq>
+          </p:childTnLst>
+        </p:cTn>
+      </p:par>
+    </p:tnLst>
+  </p:timing>
+</p:sld>
+</file>
+
+<file path=ppt/slides/slide51.xml><?xml version="1.0" encoding="utf-8"?>
+<p:sld xmlns:a="http://schemas.openxmlformats.org/drawingml/2006/main" xmlns:p="http://schemas.openxmlformats.org/presentationml/2006/main" xmlns:r="http://schemas.openxmlformats.org/officeDocument/2006/relationships" xmlns:p14="http://schemas.microsoft.com/office/powerpoint/2010/main" xmlns:p15="http://schemas.microsoft.com/office/powerpoint/2012/main" xmlns:mc="http://schemas.openxmlformats.org/markup-compatibility/2006">
+  <p:cSld>
+    <p:spTree>
+      <p:nvGrpSpPr>
+        <p:cNvPr id="1" name=""/>
+        <p:cNvGrpSpPr/>
+        <p:nvPr/>
+      </p:nvGrpSpPr>
+      <p:grpSpPr>
+        <a:xfrm>
+          <a:off x="0" y="0"/>
+          <a:ext cx="0" cy="0"/>
+          <a:chOff x="0" y="0"/>
+          <a:chExt cx="0" cy="0"/>
+        </a:xfrm>
+      </p:grpSpPr>
+      <p:sp>
+        <p:nvSpPr>
+          <p:cNvPr id="806" name="CustomShape 1"/>
+          <p:cNvSpPr/>
+          <p:nvPr/>
+        </p:nvSpPr>
+        <p:spPr>
+          <a:xfrm>
+            <a:off x="39240" y="109440"/>
+            <a:ext cx="719640" cy="539640"/>
+          </a:xfrm>
+          <a:prstGeom prst="rect">
+            <a:avLst/>
+          </a:prstGeom>
+          <a:solidFill>
+            <a:srgbClr val="b9cde5"/>
+          </a:solidFill>
+          <a:ln w="25560">
+            <a:solidFill>
+              <a:srgbClr val="254061"/>
+            </a:solidFill>
+            <a:round/>
+          </a:ln>
+        </p:spPr>
+        <p:style>
+          <a:lnRef idx="0"/>
+          <a:fillRef idx="0"/>
+          <a:effectRef idx="0"/>
+          <a:fontRef idx="minor"/>
+        </p:style>
+      </p:sp>
+      <p:sp>
+        <p:nvSpPr>
+          <p:cNvPr id="807" name="CustomShape 2"/>
+          <p:cNvSpPr/>
+          <p:nvPr/>
+        </p:nvSpPr>
+        <p:spPr>
+          <a:xfrm>
+            <a:off x="39240" y="166320"/>
+            <a:ext cx="719640" cy="425520"/>
+          </a:xfrm>
+          <a:prstGeom prst="rect">
+            <a:avLst/>
+          </a:prstGeom>
+          <a:noFill/>
+          <a:ln w="12600">
+            <a:noFill/>
+          </a:ln>
+        </p:spPr>
+        <p:style>
+          <a:lnRef idx="0"/>
+          <a:fillRef idx="0"/>
+          <a:effectRef idx="0"/>
+          <a:fontRef idx="minor"/>
+        </p:style>
+        <p:txBody>
+          <a:bodyPr lIns="0" rIns="0" tIns="0" bIns="0" anchor="ctr"/>
+          <a:p>
+            <a:pPr algn="ctr">
+              <a:lnSpc>
+                <a:spcPct val="100000"/>
+              </a:lnSpc>
+            </a:pPr>
+            <a:r>
+              <a:rPr b="0" lang="en-AU" sz="1400" spc="-1" strike="noStrike">
+                <a:solidFill>
+                  <a:srgbClr val="000000"/>
+                </a:solidFill>
+                <a:uFill>
+                  <a:solidFill>
+                    <a:srgbClr val="ffffff"/>
+                  </a:solidFill>
+                </a:uFill>
+                <a:latin typeface="Calibri"/>
+                <a:ea typeface="Calibri"/>
+              </a:rPr>
+              <a:t>Story ID: 50</a:t>
+            </a:r>
+            <a:endParaRPr b="0" lang="en-AU" sz="1800" spc="-1" strike="noStrike">
+              <a:solidFill>
+                <a:srgbClr val="000000"/>
+              </a:solidFill>
+              <a:uFill>
+                <a:solidFill>
+                  <a:srgbClr val="ffffff"/>
+                </a:solidFill>
+              </a:uFill>
+              <a:latin typeface="Arial"/>
+            </a:endParaRPr>
+          </a:p>
+        </p:txBody>
+      </p:sp>
+      <p:sp>
+        <p:nvSpPr>
+          <p:cNvPr id="808" name="CustomShape 3"/>
+          <p:cNvSpPr/>
+          <p:nvPr/>
+        </p:nvSpPr>
+        <p:spPr>
+          <a:xfrm>
+            <a:off x="831240" y="109440"/>
+            <a:ext cx="7379640" cy="539640"/>
+          </a:xfrm>
+          <a:prstGeom prst="rect">
+            <a:avLst/>
+          </a:prstGeom>
+          <a:solidFill>
+            <a:schemeClr val="accent1"/>
+          </a:solidFill>
+          <a:ln w="25560">
+            <a:solidFill>
+              <a:srgbClr val="254061"/>
+            </a:solidFill>
+            <a:round/>
+          </a:ln>
+        </p:spPr>
+        <p:style>
+          <a:lnRef idx="0"/>
+          <a:fillRef idx="0"/>
+          <a:effectRef idx="0"/>
+          <a:fontRef idx="minor"/>
+        </p:style>
+      </p:sp>
+      <p:sp>
+        <p:nvSpPr>
+          <p:cNvPr id="809" name="CustomShape 4"/>
+          <p:cNvSpPr/>
+          <p:nvPr/>
+        </p:nvSpPr>
+        <p:spPr>
+          <a:xfrm>
+            <a:off x="831240" y="120600"/>
+            <a:ext cx="7379640" cy="517320"/>
+          </a:xfrm>
+          <a:prstGeom prst="rect">
+            <a:avLst/>
+          </a:prstGeom>
+          <a:noFill/>
+          <a:ln w="12600">
+            <a:noFill/>
+          </a:ln>
+        </p:spPr>
+        <p:style>
+          <a:lnRef idx="0"/>
+          <a:fillRef idx="0"/>
+          <a:effectRef idx="0"/>
+          <a:fontRef idx="minor"/>
+        </p:style>
+        <p:txBody>
+          <a:bodyPr lIns="45720" rIns="45720" anchor="ctr"/>
+          <a:p>
+            <a:pPr algn="ctr">
+              <a:lnSpc>
+                <a:spcPct val="100000"/>
+              </a:lnSpc>
+            </a:pPr>
+            <a:r>
+              <a:rPr b="0" lang="en-AU" sz="2800" spc="-1" strike="noStrike">
+                <a:solidFill>
+                  <a:srgbClr val="ffffff"/>
+                </a:solidFill>
+                <a:uFill>
+                  <a:solidFill>
+                    <a:srgbClr val="ffffff"/>
+                  </a:solidFill>
+                </a:uFill>
+                <a:latin typeface="Calibri"/>
+                <a:ea typeface="Calibri"/>
+              </a:rPr>
+              <a:t>View city map</a:t>
+            </a:r>
+            <a:endParaRPr b="0" lang="en-AU" sz="1800" spc="-1" strike="noStrike">
+              <a:solidFill>
+                <a:srgbClr val="000000"/>
+              </a:solidFill>
+              <a:uFill>
+                <a:solidFill>
+                  <a:srgbClr val="ffffff"/>
+                </a:solidFill>
+              </a:uFill>
+              <a:latin typeface="Arial"/>
+            </a:endParaRPr>
+          </a:p>
+        </p:txBody>
+      </p:sp>
+      <p:sp>
+        <p:nvSpPr>
+          <p:cNvPr id="810" name="CustomShape 5"/>
+          <p:cNvSpPr/>
+          <p:nvPr/>
+        </p:nvSpPr>
+        <p:spPr>
+          <a:xfrm>
+            <a:off x="39240" y="822600"/>
+            <a:ext cx="9827640" cy="1406160"/>
+          </a:xfrm>
+          <a:prstGeom prst="rect">
+            <a:avLst/>
+          </a:prstGeom>
+          <a:solidFill>
+            <a:srgbClr val="c6d9f1"/>
+          </a:solidFill>
+          <a:ln w="25560">
+            <a:solidFill>
+              <a:srgbClr val="254061"/>
+            </a:solidFill>
+            <a:round/>
+          </a:ln>
+        </p:spPr>
+        <p:style>
+          <a:lnRef idx="0"/>
+          <a:fillRef idx="0"/>
+          <a:effectRef idx="0"/>
+          <a:fontRef idx="minor"/>
+        </p:style>
+      </p:sp>
+      <p:sp>
+        <p:nvSpPr>
+          <p:cNvPr id="811" name="CustomShape 6"/>
+          <p:cNvSpPr/>
+          <p:nvPr/>
+        </p:nvSpPr>
+        <p:spPr>
+          <a:xfrm>
+            <a:off x="39240" y="822600"/>
+            <a:ext cx="9858240" cy="1268280"/>
+          </a:xfrm>
+          <a:prstGeom prst="rect">
+            <a:avLst/>
+          </a:prstGeom>
+          <a:noFill/>
+          <a:ln w="12600">
+            <a:noFill/>
+          </a:ln>
+        </p:spPr>
+        <p:style>
+          <a:lnRef idx="0"/>
+          <a:fillRef idx="0"/>
+          <a:effectRef idx="0"/>
+          <a:fontRef idx="minor"/>
+        </p:style>
+        <p:txBody>
+          <a:bodyPr lIns="45720" rIns="45720"/>
+          <a:p>
+            <a:pPr>
+              <a:lnSpc>
+                <a:spcPct val="100000"/>
+              </a:lnSpc>
+            </a:pPr>
+            <a:r>
+              <a:rPr b="0" lang="en-AU" sz="2400" spc="-1" strike="noStrike">
+                <a:solidFill>
+                  <a:srgbClr val="000000"/>
+                </a:solidFill>
+                <a:uFill>
+                  <a:solidFill>
+                    <a:srgbClr val="ffffff"/>
+                  </a:solidFill>
+                </a:uFill>
+                <a:latin typeface="Calibri"/>
+                <a:ea typeface="Calibri"/>
+              </a:rPr>
+              <a:t>As a general user I want to view a map of the city so I can have a sense of direction in the city i’m in.</a:t>
+            </a:r>
+            <a:endParaRPr b="0" lang="en-AU" sz="1800" spc="-1" strike="noStrike">
+              <a:solidFill>
+                <a:srgbClr val="000000"/>
+              </a:solidFill>
+              <a:uFill>
+                <a:solidFill>
+                  <a:srgbClr val="ffffff"/>
+                </a:solidFill>
+              </a:uFill>
+              <a:latin typeface="Arial"/>
+            </a:endParaRPr>
+          </a:p>
+        </p:txBody>
+      </p:sp>
+      <p:sp>
+        <p:nvSpPr>
+          <p:cNvPr id="812" name="CustomShape 7"/>
+          <p:cNvSpPr/>
+          <p:nvPr/>
+        </p:nvSpPr>
+        <p:spPr>
+          <a:xfrm>
+            <a:off x="39240" y="2324880"/>
+            <a:ext cx="9827640" cy="2437200"/>
+          </a:xfrm>
+          <a:prstGeom prst="rect">
+            <a:avLst/>
+          </a:prstGeom>
+          <a:solidFill>
+            <a:srgbClr val="dce6f2"/>
+          </a:solidFill>
+          <a:ln w="25560">
+            <a:solidFill>
+              <a:srgbClr val="254061"/>
+            </a:solidFill>
+            <a:round/>
+          </a:ln>
+        </p:spPr>
+        <p:style>
+          <a:lnRef idx="0"/>
+          <a:fillRef idx="0"/>
+          <a:effectRef idx="0"/>
+          <a:fontRef idx="minor"/>
+        </p:style>
+      </p:sp>
+      <p:sp>
+        <p:nvSpPr>
+          <p:cNvPr id="813" name="CustomShape 8"/>
+          <p:cNvSpPr/>
+          <p:nvPr/>
+        </p:nvSpPr>
+        <p:spPr>
+          <a:xfrm>
+            <a:off x="39240" y="2551680"/>
+            <a:ext cx="9827640" cy="2290320"/>
+          </a:xfrm>
+          <a:prstGeom prst="rect">
+            <a:avLst/>
+          </a:prstGeom>
+          <a:noFill/>
+          <a:ln w="12600">
+            <a:noFill/>
+          </a:ln>
+        </p:spPr>
+        <p:style>
+          <a:lnRef idx="0"/>
+          <a:fillRef idx="0"/>
+          <a:effectRef idx="0"/>
+          <a:fontRef idx="minor"/>
+        </p:style>
+        <p:txBody>
+          <a:bodyPr lIns="36000" rIns="36000" tIns="36000" bIns="36000"/>
+          <a:p>
+            <a:pPr>
+              <a:lnSpc>
+                <a:spcPct val="100000"/>
+              </a:lnSpc>
+            </a:pPr>
+            <a:r>
+              <a:rPr b="0" lang="en-AU" sz="2000" spc="-1" strike="noStrike">
+                <a:solidFill>
+                  <a:srgbClr val="000000"/>
+                </a:solidFill>
+                <a:uFill>
+                  <a:solidFill>
+                    <a:srgbClr val="ffffff"/>
+                  </a:solidFill>
+                </a:uFill>
+                <a:latin typeface="Calibri"/>
+                <a:ea typeface="Calibri"/>
+              </a:rPr>
+              <a:t>Acceptance Criteria</a:t>
+            </a:r>
+            <a:endParaRPr b="0" lang="en-AU" sz="1800" spc="-1" strike="noStrike">
+              <a:solidFill>
+                <a:srgbClr val="000000"/>
+              </a:solidFill>
+              <a:uFill>
+                <a:solidFill>
+                  <a:srgbClr val="ffffff"/>
+                </a:solidFill>
+              </a:uFill>
+              <a:latin typeface="Arial"/>
+            </a:endParaRPr>
+          </a:p>
+          <a:p>
+            <a:pPr marL="179280" indent="-178920">
+              <a:lnSpc>
+                <a:spcPct val="100000"/>
+              </a:lnSpc>
+              <a:buClr>
+                <a:srgbClr val="000000"/>
+              </a:buClr>
+              <a:buFont typeface="Arial"/>
+              <a:buChar char="•"/>
+            </a:pPr>
+            <a:r>
+              <a:rPr b="0" lang="en-AU" sz="2000" spc="-1" strike="noStrike">
+                <a:solidFill>
+                  <a:srgbClr val="000000"/>
+                </a:solidFill>
+                <a:uFill>
+                  <a:solidFill>
+                    <a:srgbClr val="ffffff"/>
+                  </a:solidFill>
+                </a:uFill>
+                <a:latin typeface="Calibri"/>
+                <a:ea typeface="Calibri"/>
+              </a:rPr>
+              <a:t>A map of the current city is displayed on the home page.</a:t>
+            </a:r>
+            <a:endParaRPr b="0" lang="en-AU" sz="1800" spc="-1" strike="noStrike">
+              <a:solidFill>
+                <a:srgbClr val="000000"/>
+              </a:solidFill>
+              <a:uFill>
+                <a:solidFill>
+                  <a:srgbClr val="ffffff"/>
+                </a:solidFill>
+              </a:uFill>
+              <a:latin typeface="Arial"/>
+            </a:endParaRPr>
+          </a:p>
+        </p:txBody>
+      </p:sp>
+      <p:sp>
+        <p:nvSpPr>
+          <p:cNvPr id="814" name="CustomShape 9"/>
+          <p:cNvSpPr/>
+          <p:nvPr/>
+        </p:nvSpPr>
+        <p:spPr>
+          <a:xfrm>
+            <a:off x="9147240" y="109440"/>
+            <a:ext cx="719640" cy="539640"/>
+          </a:xfrm>
+          <a:prstGeom prst="rect">
+            <a:avLst/>
+          </a:prstGeom>
+          <a:solidFill>
+            <a:srgbClr val="ccf0cd">
+              <a:alpha val="20000"/>
+            </a:srgbClr>
+          </a:solidFill>
+          <a:ln w="25560">
+            <a:solidFill>
+              <a:srgbClr val="254061"/>
+            </a:solidFill>
+            <a:round/>
+          </a:ln>
+        </p:spPr>
+        <p:style>
+          <a:lnRef idx="0"/>
+          <a:fillRef idx="0"/>
+          <a:effectRef idx="0"/>
+          <a:fontRef idx="minor"/>
+        </p:style>
+      </p:sp>
+      <p:sp>
+        <p:nvSpPr>
+          <p:cNvPr id="815" name="CustomShape 10"/>
+          <p:cNvSpPr/>
+          <p:nvPr/>
+        </p:nvSpPr>
+        <p:spPr>
+          <a:xfrm>
+            <a:off x="9147240" y="59760"/>
+            <a:ext cx="719640" cy="638640"/>
+          </a:xfrm>
+          <a:prstGeom prst="rect">
+            <a:avLst/>
+          </a:prstGeom>
+          <a:noFill/>
+          <a:ln w="12600">
+            <a:noFill/>
+          </a:ln>
+        </p:spPr>
+        <p:style>
+          <a:lnRef idx="0"/>
+          <a:fillRef idx="0"/>
+          <a:effectRef idx="0"/>
+          <a:fontRef idx="minor"/>
+        </p:style>
+        <p:txBody>
+          <a:bodyPr lIns="0" rIns="0" tIns="0" bIns="0" anchor="ctr"/>
+          <a:p>
+            <a:pPr algn="ctr">
+              <a:lnSpc>
+                <a:spcPct val="100000"/>
+              </a:lnSpc>
+            </a:pPr>
+            <a:r>
+              <a:rPr b="0" lang="en-AU" sz="1400" spc="-1" strike="noStrike">
+                <a:solidFill>
+                  <a:srgbClr val="000000"/>
+                </a:solidFill>
+                <a:uFill>
+                  <a:solidFill>
+                    <a:srgbClr val="ffffff"/>
+                  </a:solidFill>
+                </a:uFill>
+                <a:latin typeface="Calibri"/>
+                <a:ea typeface="Calibri"/>
+              </a:rPr>
+              <a:t>Story Points: 4</a:t>
+            </a:r>
+            <a:endParaRPr b="0" lang="en-AU" sz="1800" spc="-1" strike="noStrike">
+              <a:solidFill>
+                <a:srgbClr val="000000"/>
+              </a:solidFill>
+              <a:uFill>
+                <a:solidFill>
+                  <a:srgbClr val="ffffff"/>
+                </a:solidFill>
+              </a:uFill>
+              <a:latin typeface="Arial"/>
+            </a:endParaRPr>
+          </a:p>
+        </p:txBody>
+      </p:sp>
+      <p:sp>
+        <p:nvSpPr>
+          <p:cNvPr id="816" name="CustomShape 11"/>
+          <p:cNvSpPr/>
+          <p:nvPr/>
+        </p:nvSpPr>
+        <p:spPr>
+          <a:xfrm>
+            <a:off x="8283240" y="109440"/>
+            <a:ext cx="791640" cy="539640"/>
+          </a:xfrm>
+          <a:prstGeom prst="rect">
+            <a:avLst/>
+          </a:prstGeom>
+          <a:solidFill>
+            <a:srgbClr val="e6e0ec"/>
+          </a:solidFill>
+          <a:ln w="25560">
+            <a:solidFill>
+              <a:srgbClr val="254061"/>
+            </a:solidFill>
+            <a:round/>
+          </a:ln>
+        </p:spPr>
+        <p:style>
+          <a:lnRef idx="0"/>
+          <a:fillRef idx="0"/>
+          <a:effectRef idx="0"/>
+          <a:fontRef idx="minor"/>
+        </p:style>
+      </p:sp>
+      <p:sp>
+        <p:nvSpPr>
+          <p:cNvPr id="817" name="CustomShape 12"/>
+          <p:cNvSpPr/>
+          <p:nvPr/>
+        </p:nvSpPr>
+        <p:spPr>
+          <a:xfrm>
+            <a:off x="8308800" y="166320"/>
+            <a:ext cx="740160" cy="425520"/>
+          </a:xfrm>
+          <a:prstGeom prst="rect">
+            <a:avLst/>
+          </a:prstGeom>
+          <a:noFill/>
+          <a:ln w="12600">
+            <a:noFill/>
+          </a:ln>
+        </p:spPr>
+        <p:style>
+          <a:lnRef idx="0"/>
+          <a:fillRef idx="0"/>
+          <a:effectRef idx="0"/>
+          <a:fontRef idx="minor"/>
+        </p:style>
+        <p:txBody>
+          <a:bodyPr wrap="none" lIns="0" rIns="0" tIns="0" bIns="0" anchor="ctr"/>
+          <a:p>
+            <a:pPr algn="ctr">
+              <a:lnSpc>
+                <a:spcPct val="100000"/>
+              </a:lnSpc>
+            </a:pPr>
+            <a:r>
+              <a:rPr b="0" lang="en-AU" sz="1400" spc="-1" strike="noStrike">
+                <a:solidFill>
+                  <a:srgbClr val="000000"/>
+                </a:solidFill>
+                <a:uFill>
+                  <a:solidFill>
+                    <a:srgbClr val="ffffff"/>
+                  </a:solidFill>
+                </a:uFill>
+                <a:latin typeface="Calibri"/>
+                <a:ea typeface="Calibri"/>
+              </a:rPr>
+              <a:t>Priority: </a:t>
+            </a:r>
+            <a:endParaRPr b="0" lang="en-AU" sz="1800" spc="-1" strike="noStrike">
+              <a:solidFill>
+                <a:srgbClr val="000000"/>
+              </a:solidFill>
+              <a:uFill>
+                <a:solidFill>
+                  <a:srgbClr val="ffffff"/>
+                </a:solidFill>
+              </a:uFill>
+              <a:latin typeface="Arial"/>
+            </a:endParaRPr>
+          </a:p>
+          <a:p>
+            <a:pPr algn="ctr">
+              <a:lnSpc>
+                <a:spcPct val="100000"/>
+              </a:lnSpc>
+            </a:pPr>
+            <a:r>
+              <a:rPr b="0" lang="en-AU" sz="1400" spc="-1" strike="noStrike">
+                <a:solidFill>
+                  <a:srgbClr val="000000"/>
+                </a:solidFill>
+                <a:uFill>
+                  <a:solidFill>
+                    <a:srgbClr val="ffffff"/>
+                  </a:solidFill>
+                </a:uFill>
+                <a:latin typeface="Calibri"/>
+                <a:ea typeface="Calibri"/>
+              </a:rPr>
+              <a:t>m</a:t>
+            </a:r>
+            <a:endParaRPr b="0" lang="en-AU" sz="1800" spc="-1" strike="noStrike">
+              <a:solidFill>
+                <a:srgbClr val="000000"/>
+              </a:solidFill>
+              <a:uFill>
+                <a:solidFill>
+                  <a:srgbClr val="ffffff"/>
+                </a:solidFill>
+              </a:uFill>
+              <a:latin typeface="Arial"/>
+            </a:endParaRPr>
+          </a:p>
+        </p:txBody>
+      </p:sp>
+      <p:sp>
+        <p:nvSpPr>
+          <p:cNvPr id="818" name="CustomShape 13"/>
+          <p:cNvSpPr/>
+          <p:nvPr/>
+        </p:nvSpPr>
+        <p:spPr>
+          <a:xfrm>
+            <a:off x="38880" y="4896360"/>
+            <a:ext cx="9828000" cy="1852200"/>
+          </a:xfrm>
+          <a:prstGeom prst="rect">
+            <a:avLst/>
+          </a:prstGeom>
+          <a:solidFill>
+            <a:srgbClr val="ffffff"/>
+          </a:solidFill>
+          <a:ln w="25560">
+            <a:solidFill>
+              <a:srgbClr val="254061"/>
+            </a:solidFill>
+            <a:round/>
+          </a:ln>
+        </p:spPr>
+        <p:style>
+          <a:lnRef idx="0"/>
+          <a:fillRef idx="0"/>
+          <a:effectRef idx="0"/>
+          <a:fontRef idx="minor"/>
+        </p:style>
+      </p:sp>
+      <p:sp>
+        <p:nvSpPr>
+          <p:cNvPr id="819" name="CustomShape 14"/>
+          <p:cNvSpPr/>
+          <p:nvPr/>
+        </p:nvSpPr>
+        <p:spPr>
+          <a:xfrm>
+            <a:off x="38880" y="4955760"/>
+            <a:ext cx="9828000" cy="3749760"/>
+          </a:xfrm>
+          <a:prstGeom prst="rect">
+            <a:avLst/>
+          </a:prstGeom>
+          <a:noFill/>
+          <a:ln w="12600">
+            <a:noFill/>
+          </a:ln>
+        </p:spPr>
+        <p:style>
+          <a:lnRef idx="0"/>
+          <a:fillRef idx="0"/>
+          <a:effectRef idx="0"/>
+          <a:fontRef idx="minor"/>
+        </p:style>
+        <p:txBody>
+          <a:bodyPr lIns="36000" rIns="36000" tIns="36000" bIns="36000"/>
+          <a:p>
+            <a:pPr>
+              <a:lnSpc>
+                <a:spcPct val="100000"/>
+              </a:lnSpc>
+            </a:pPr>
+            <a:r>
+              <a:rPr b="0" lang="en-AU" sz="2000" spc="-1" strike="noStrike">
+                <a:solidFill>
+                  <a:srgbClr val="000000"/>
+                </a:solidFill>
+                <a:uFill>
+                  <a:solidFill>
+                    <a:srgbClr val="ffffff"/>
+                  </a:solidFill>
+                </a:uFill>
+                <a:latin typeface="Calibri"/>
+                <a:ea typeface="Calibri"/>
+              </a:rPr>
+              <a:t>Notes</a:t>
+            </a:r>
+            <a:endParaRPr b="0" lang="en-AU" sz="1800" spc="-1" strike="noStrike">
+              <a:solidFill>
+                <a:srgbClr val="000000"/>
+              </a:solidFill>
+              <a:uFill>
+                <a:solidFill>
+                  <a:srgbClr val="ffffff"/>
+                </a:solidFill>
+              </a:uFill>
+              <a:latin typeface="Arial"/>
+            </a:endParaRPr>
+          </a:p>
+          <a:p>
+            <a:pPr>
+              <a:lnSpc>
+                <a:spcPct val="100000"/>
+              </a:lnSpc>
+            </a:pPr>
+            <a:endParaRPr b="0" lang="en-AU" sz="1800" spc="-1" strike="noStrike">
+              <a:solidFill>
+                <a:srgbClr val="000000"/>
+              </a:solidFill>
+              <a:uFill>
+                <a:solidFill>
+                  <a:srgbClr val="ffffff"/>
+                </a:solidFill>
+              </a:uFill>
+              <a:latin typeface="Arial"/>
+            </a:endParaRPr>
+          </a:p>
+        </p:txBody>
+      </p:sp>
+    </p:spTree>
+  </p:cSld>
+  <p:timing>
+    <p:tnLst>
+      <p:par>
+        <p:cTn id="101" dur="indefinite" restart="never" nodeType="tmRoot">
+          <p:childTnLst>
+            <p:seq>
+              <p:cTn id="102" nodeType="mainSeq"/>
               <p:prevCondLst>
                 <p:cond delay="0" evt="onPrev">
                   <p:tgtEl>
